--- a/Test logiciel/BDD et TDD.pptx
+++ b/Test logiciel/BDD et TDD.pptx
@@ -307,7 +307,7 @@
           <a:p>
             <a:fld id="{E4384958-F5BD-4459-80AA-7E70FF7BF80B}" type="datetimeFigureOut">
               <a:rPr lang="fr-FR" smtClean="0"/>
-              <a:t>28/10/2022</a:t>
+              <a:t>10/12/2022</a:t>
             </a:fld>
             <a:endParaRPr lang="fr-FR"/>
           </a:p>
@@ -645,7 +645,7 @@
           <a:p>
             <a:fld id="{E4384958-F5BD-4459-80AA-7E70FF7BF80B}" type="datetimeFigureOut">
               <a:rPr lang="fr-FR" smtClean="0"/>
-              <a:t>28/10/2022</a:t>
+              <a:t>10/12/2022</a:t>
             </a:fld>
             <a:endParaRPr lang="fr-FR"/>
           </a:p>
@@ -1046,7 +1046,7 @@
           <a:p>
             <a:fld id="{E4384958-F5BD-4459-80AA-7E70FF7BF80B}" type="datetimeFigureOut">
               <a:rPr lang="fr-FR" smtClean="0"/>
-              <a:t>28/10/2022</a:t>
+              <a:t>10/12/2022</a:t>
             </a:fld>
             <a:endParaRPr lang="fr-FR"/>
           </a:p>
@@ -1382,7 +1382,7 @@
           <a:p>
             <a:fld id="{E4384958-F5BD-4459-80AA-7E70FF7BF80B}" type="datetimeFigureOut">
               <a:rPr lang="fr-FR" smtClean="0"/>
-              <a:t>28/10/2022</a:t>
+              <a:t>10/12/2022</a:t>
             </a:fld>
             <a:endParaRPr lang="fr-FR"/>
           </a:p>
@@ -1702,7 +1702,7 @@
           <a:p>
             <a:fld id="{E4384958-F5BD-4459-80AA-7E70FF7BF80B}" type="datetimeFigureOut">
               <a:rPr lang="fr-FR" smtClean="0"/>
-              <a:t>28/10/2022</a:t>
+              <a:t>10/12/2022</a:t>
             </a:fld>
             <a:endParaRPr lang="fr-FR"/>
           </a:p>
@@ -2098,7 +2098,7 @@
           <a:p>
             <a:fld id="{E4384958-F5BD-4459-80AA-7E70FF7BF80B}" type="datetimeFigureOut">
               <a:rPr lang="fr-FR" smtClean="0"/>
-              <a:t>28/10/2022</a:t>
+              <a:t>10/12/2022</a:t>
             </a:fld>
             <a:endParaRPr lang="fr-FR"/>
           </a:p>
@@ -2355,7 +2355,7 @@
           <a:p>
             <a:fld id="{E4384958-F5BD-4459-80AA-7E70FF7BF80B}" type="datetimeFigureOut">
               <a:rPr lang="fr-FR" smtClean="0"/>
-              <a:t>28/10/2022</a:t>
+              <a:t>10/12/2022</a:t>
             </a:fld>
             <a:endParaRPr lang="fr-FR"/>
           </a:p>
@@ -2617,7 +2617,7 @@
           <a:p>
             <a:fld id="{E4384958-F5BD-4459-80AA-7E70FF7BF80B}" type="datetimeFigureOut">
               <a:rPr lang="fr-FR" smtClean="0"/>
-              <a:t>28/10/2022</a:t>
+              <a:t>10/12/2022</a:t>
             </a:fld>
             <a:endParaRPr lang="fr-FR"/>
           </a:p>
@@ -2879,7 +2879,7 @@
           <a:p>
             <a:fld id="{E4384958-F5BD-4459-80AA-7E70FF7BF80B}" type="datetimeFigureOut">
               <a:rPr lang="fr-FR" smtClean="0"/>
-              <a:t>28/10/2022</a:t>
+              <a:t>10/12/2022</a:t>
             </a:fld>
             <a:endParaRPr lang="fr-FR"/>
           </a:p>
@@ -3208,7 +3208,7 @@
           <a:p>
             <a:fld id="{E4384958-F5BD-4459-80AA-7E70FF7BF80B}" type="datetimeFigureOut">
               <a:rPr lang="fr-FR" smtClean="0"/>
-              <a:t>28/10/2022</a:t>
+              <a:t>10/12/2022</a:t>
             </a:fld>
             <a:endParaRPr lang="fr-FR"/>
           </a:p>
@@ -3531,7 +3531,7 @@
           <a:p>
             <a:fld id="{E4384958-F5BD-4459-80AA-7E70FF7BF80B}" type="datetimeFigureOut">
               <a:rPr lang="fr-FR" smtClean="0"/>
-              <a:t>28/10/2022</a:t>
+              <a:t>10/12/2022</a:t>
             </a:fld>
             <a:endParaRPr lang="fr-FR"/>
           </a:p>
@@ -3988,7 +3988,7 @@
           <a:p>
             <a:fld id="{E4384958-F5BD-4459-80AA-7E70FF7BF80B}" type="datetimeFigureOut">
               <a:rPr lang="fr-FR" smtClean="0"/>
-              <a:t>28/10/2022</a:t>
+              <a:t>10/12/2022</a:t>
             </a:fld>
             <a:endParaRPr lang="fr-FR"/>
           </a:p>
@@ -4193,7 +4193,7 @@
           <a:p>
             <a:fld id="{E4384958-F5BD-4459-80AA-7E70FF7BF80B}" type="datetimeFigureOut">
               <a:rPr lang="fr-FR" smtClean="0"/>
-              <a:t>28/10/2022</a:t>
+              <a:t>10/12/2022</a:t>
             </a:fld>
             <a:endParaRPr lang="fr-FR"/>
           </a:p>
@@ -4370,7 +4370,7 @@
           <a:p>
             <a:fld id="{E4384958-F5BD-4459-80AA-7E70FF7BF80B}" type="datetimeFigureOut">
               <a:rPr lang="fr-FR" smtClean="0"/>
-              <a:t>28/10/2022</a:t>
+              <a:t>10/12/2022</a:t>
             </a:fld>
             <a:endParaRPr lang="fr-FR"/>
           </a:p>
@@ -4703,7 +4703,7 @@
           <a:p>
             <a:fld id="{E4384958-F5BD-4459-80AA-7E70FF7BF80B}" type="datetimeFigureOut">
               <a:rPr lang="fr-FR" smtClean="0"/>
-              <a:t>28/10/2022</a:t>
+              <a:t>10/12/2022</a:t>
             </a:fld>
             <a:endParaRPr lang="fr-FR"/>
           </a:p>
@@ -5048,7 +5048,7 @@
           <a:p>
             <a:fld id="{E4384958-F5BD-4459-80AA-7E70FF7BF80B}" type="datetimeFigureOut">
               <a:rPr lang="fr-FR" smtClean="0"/>
-              <a:t>28/10/2022</a:t>
+              <a:t>10/12/2022</a:t>
             </a:fld>
             <a:endParaRPr lang="fr-FR"/>
           </a:p>
@@ -7165,7 +7165,7 @@
           <a:p>
             <a:fld id="{E4384958-F5BD-4459-80AA-7E70FF7BF80B}" type="datetimeFigureOut">
               <a:rPr lang="fr-FR" smtClean="0"/>
-              <a:t>28/10/2022</a:t>
+              <a:t>10/12/2022</a:t>
             </a:fld>
             <a:endParaRPr lang="fr-FR"/>
           </a:p>
@@ -7768,13 +7768,19 @@
         </p:spPr>
         <p:txBody>
           <a:bodyPr>
-            <a:normAutofit/>
+            <a:normAutofit fontScale="92500" lnSpcReduction="20000"/>
           </a:bodyPr>
           <a:lstStyle/>
           <a:p>
             <a:r>
               <a:rPr lang="fr-FR" dirty="0"/>
               <a:t>TDD et BDD</a:t>
+            </a:r>
+          </a:p>
+          <a:p>
+            <a:r>
+              <a:rPr lang="fr-FR" dirty="0"/>
+              <a:t>Notes de cours recueilli Par Wahid Bannour</a:t>
             </a:r>
           </a:p>
         </p:txBody>
@@ -9351,13 +9357,17 @@
           <a:p>
             <a:r>
               <a:rPr lang="fr-FR" dirty="0"/>
-              <a:t> frontend (interface utilisateur…)</a:t>
+              <a:t> fonctionne bien avec le test d’acceptance, exemple :frontend (interface utilisateur…)</a:t>
             </a:r>
           </a:p>
           <a:p>
             <a:r>
               <a:rPr lang="fr-FR" dirty="0"/>
-              <a:t>Product </a:t>
+              <a:t>Peut-être rédigé </a:t>
+            </a:r>
+            <a:r>
+              <a:rPr lang="fr-FR"/>
+              <a:t>par le Product </a:t>
             </a:r>
             <a:r>
               <a:rPr lang="fr-FR" dirty="0" err="1"/>
@@ -9381,6 +9391,16 @@
               <a:rPr lang="fr-FR" b="1" dirty="0" err="1"/>
               <a:t>Given</a:t>
             </a:r>
+            <a:r>
+              <a:rPr lang="fr-FR" b="1" dirty="0"/>
+              <a:t> 		</a:t>
+            </a:r>
+            <a:r>
+              <a:rPr lang="fr-FR" b="1" dirty="0">
+                <a:sym typeface="Wingdings" panose="05000000000000000000" pitchFamily="2" charset="2"/>
+              </a:rPr>
+              <a:t> 		Arrange</a:t>
+            </a:r>
             <a:endParaRPr lang="fr-FR" dirty="0"/>
           </a:p>
           <a:p>
@@ -9393,6 +9413,16 @@
               <a:rPr lang="fr-FR" b="1" dirty="0" err="1"/>
               <a:t>When</a:t>
             </a:r>
+            <a:r>
+              <a:rPr lang="fr-FR" b="1" dirty="0"/>
+              <a:t>				</a:t>
+            </a:r>
+            <a:r>
+              <a:rPr lang="fr-FR" b="1" dirty="0">
+                <a:sym typeface="Wingdings" panose="05000000000000000000" pitchFamily="2" charset="2"/>
+              </a:rPr>
+              <a:t>		Action</a:t>
+            </a:r>
             <a:endParaRPr lang="fr-FR" dirty="0"/>
           </a:p>
           <a:p>
@@ -9405,6 +9435,22 @@
               <a:rPr lang="fr-FR" b="1" dirty="0" err="1"/>
               <a:t>Then</a:t>
             </a:r>
+            <a:r>
+              <a:rPr lang="fr-FR" b="1" dirty="0"/>
+              <a:t>				</a:t>
+            </a:r>
+            <a:r>
+              <a:rPr lang="fr-FR" b="1" dirty="0">
+                <a:sym typeface="Wingdings" panose="05000000000000000000" pitchFamily="2" charset="2"/>
+              </a:rPr>
+              <a:t>		</a:t>
+            </a:r>
+            <a:r>
+              <a:rPr lang="fr-FR" b="1" dirty="0" err="1">
+                <a:sym typeface="Wingdings" panose="05000000000000000000" pitchFamily="2" charset="2"/>
+              </a:rPr>
+              <a:t>Assert</a:t>
+            </a:r>
             <a:endParaRPr lang="fr-FR" dirty="0"/>
           </a:p>
           <a:p>
@@ -9415,7 +9461,19 @@
             </a:r>
             <a:r>
               <a:rPr lang="fr-FR" b="1" dirty="0"/>
-              <a:t>And</a:t>
+              <a:t>And					</a:t>
+            </a:r>
+            <a:r>
+              <a:rPr lang="fr-FR" b="1" dirty="0">
+                <a:sym typeface="Wingdings" panose="05000000000000000000" pitchFamily="2" charset="2"/>
+              </a:rPr>
+              <a:t>		multi </a:t>
+            </a:r>
+            <a:r>
+              <a:rPr lang="fr-FR" b="1" dirty="0" err="1">
+                <a:sym typeface="Wingdings" panose="05000000000000000000" pitchFamily="2" charset="2"/>
+              </a:rPr>
+              <a:t>Assert</a:t>
             </a:r>
             <a:endParaRPr lang="fr-FR" dirty="0"/>
           </a:p>
@@ -9989,7 +10047,13 @@
               <a:t>Étant donné : </a:t>
             </a:r>
             <a:r>
-              <a:rPr lang="fr-FR" b="1" dirty="0" err="1"/>
+              <a:rPr lang="fr-FR" b="1" dirty="0" err="1">
+                <a:solidFill>
+                  <a:schemeClr val="accent2">
+                    <a:lumMod val="75000"/>
+                  </a:schemeClr>
+                </a:solidFill>
+              </a:rPr>
               <a:t>Given</a:t>
             </a:r>
             <a:r>
@@ -10002,7 +10066,7 @@
                   <a:srgbClr val="FF0000"/>
                 </a:solidFill>
               </a:rPr>
-              <a:t>scénario</a:t>
+              <a:t>contexte du scénario</a:t>
             </a:r>
             <a:r>
               <a:rPr lang="fr-FR" b="1" dirty="0"/>
@@ -10017,7 +10081,13 @@
               <a:t>Quand : </a:t>
             </a:r>
             <a:r>
-              <a:rPr lang="fr-FR" b="1" dirty="0" err="1"/>
+              <a:rPr lang="fr-FR" b="1" dirty="0" err="1">
+                <a:solidFill>
+                  <a:schemeClr val="accent2">
+                    <a:lumMod val="75000"/>
+                  </a:schemeClr>
+                </a:solidFill>
+              </a:rPr>
               <a:t>When</a:t>
             </a:r>
             <a:r>
@@ -10045,7 +10115,13 @@
               <a:t>Alors : </a:t>
             </a:r>
             <a:r>
-              <a:rPr lang="fr-FR" b="1" dirty="0" err="1"/>
+              <a:rPr lang="fr-FR" b="1" dirty="0" err="1">
+                <a:solidFill>
+                  <a:schemeClr val="accent2">
+                    <a:lumMod val="75000"/>
+                  </a:schemeClr>
+                </a:solidFill>
+              </a:rPr>
               <a:t>Then</a:t>
             </a:r>
             <a:r>
@@ -10073,8 +10149,18 @@
               <a:t>Et : </a:t>
             </a:r>
             <a:r>
+              <a:rPr lang="fr-FR" b="1" dirty="0">
+                <a:solidFill>
+                  <a:schemeClr val="accent2">
+                    <a:lumMod val="75000"/>
+                  </a:schemeClr>
+                </a:solidFill>
+              </a:rPr>
+              <a:t>And</a:t>
+            </a:r>
+            <a:r>
               <a:rPr lang="fr-FR" b="1" dirty="0"/>
-              <a:t>And : reprendre la saisie de nouveau (</a:t>
+              <a:t> : reprendre la saisie de nouveau (</a:t>
             </a:r>
             <a:r>
               <a:rPr lang="fr-FR" b="1" dirty="0">
@@ -10459,7 +10545,7 @@
           <a:p>
             <a:r>
               <a:rPr lang="fr-FR" dirty="0"/>
-              <a:t>Quand on la réalise :</a:t>
+              <a:t>Quand on utilise la BDD:</a:t>
             </a:r>
           </a:p>
           <a:p>
@@ -10523,6 +10609,14 @@
               <a:rPr lang="fr-FR" dirty="0"/>
               <a:t>	</a:t>
             </a:r>
+          </a:p>
+          <a:p>
+            <a:pPr lvl="1"/>
+            <a:r>
+              <a:rPr lang="fr-FR" dirty="0" err="1"/>
+              <a:t>SpecFlow</a:t>
+            </a:r>
+            <a:endParaRPr lang="fr-FR" dirty="0"/>
           </a:p>
         </p:txBody>
       </p:sp>
@@ -10838,6 +10932,55 @@
                       </p:childTnLst>
                     </p:cTn>
                   </p:par>
+                  <p:par>
+                    <p:cTn id="27" fill="hold">
+                      <p:stCondLst>
+                        <p:cond delay="indefinite"/>
+                      </p:stCondLst>
+                      <p:childTnLst>
+                        <p:par>
+                          <p:cTn id="28" fill="hold">
+                            <p:stCondLst>
+                              <p:cond delay="0"/>
+                            </p:stCondLst>
+                            <p:childTnLst>
+                              <p:par>
+                                <p:cTn id="29" presetID="1" presetClass="entr" presetSubtype="0" fill="hold" nodeType="clickEffect">
+                                  <p:stCondLst>
+                                    <p:cond delay="0"/>
+                                  </p:stCondLst>
+                                  <p:childTnLst>
+                                    <p:set>
+                                      <p:cBhvr>
+                                        <p:cTn id="30" dur="1" fill="hold">
+                                          <p:stCondLst>
+                                            <p:cond delay="0"/>
+                                          </p:stCondLst>
+                                        </p:cTn>
+                                        <p:tgtEl>
+                                          <p:spTgt spid="3">
+                                            <p:txEl>
+                                              <p:pRg st="6" end="6"/>
+                                            </p:txEl>
+                                          </p:spTgt>
+                                        </p:tgtEl>
+                                        <p:attrNameLst>
+                                          <p:attrName>style.visibility</p:attrName>
+                                        </p:attrNameLst>
+                                      </p:cBhvr>
+                                      <p:to>
+                                        <p:strVal val="visible"/>
+                                      </p:to>
+                                    </p:set>
+                                  </p:childTnLst>
+                                </p:cTn>
+                              </p:par>
+                            </p:childTnLst>
+                          </p:cTn>
+                        </p:par>
+                      </p:childTnLst>
+                    </p:cTn>
+                  </p:par>
                 </p:childTnLst>
               </p:cTn>
               <p:prevCondLst>
@@ -10924,13 +11067,21 @@
             <p:ph idx="1"/>
           </p:nvPr>
         </p:nvSpPr>
-        <p:spPr/>
+        <p:spPr>
+          <a:xfrm>
+            <a:off x="2589212" y="1252603"/>
+            <a:ext cx="8915400" cy="4658619"/>
+          </a:xfrm>
+        </p:spPr>
         <p:txBody>
           <a:bodyPr>
-            <a:normAutofit fontScale="92500" lnSpcReduction="20000"/>
+            <a:normAutofit fontScale="92500" lnSpcReduction="10000"/>
           </a:bodyPr>
           <a:lstStyle/>
           <a:p>
+            <a:pPr marL="0" indent="0">
+              <a:buNone/>
+            </a:pPr>
             <a:r>
               <a:rPr lang="en-US" b="1" dirty="0"/>
               <a:t>Feature: </a:t>
@@ -10950,78 +11101,80 @@
               <a:rPr lang="en-US" dirty="0"/>
               <a:t> should be quick and friendly.</a:t>
             </a:r>
+          </a:p>
+          <a:p>
+            <a:r>
+              <a:rPr lang="en-US" b="1" dirty="0"/>
+              <a:t>Scenario: </a:t>
+            </a:r>
+            <a:r>
+              <a:rPr lang="en-US" dirty="0"/>
+              <a:t>Successful sign-up</a:t>
+            </a:r>
             <a:br>
               <a:rPr lang="en-US" dirty="0"/>
             </a:br>
             <a:r>
-              <a:rPr lang="en-US" b="1" dirty="0"/>
-              <a:t>Scenario: </a:t>
-            </a:r>
-            <a:r>
               <a:rPr lang="en-US" dirty="0"/>
-              <a:t>Successful sign-up</a:t>
+              <a:t>New users should get a confirmation email and be greeted</a:t>
             </a:r>
             <a:br>
               <a:rPr lang="en-US" dirty="0"/>
             </a:br>
             <a:r>
               <a:rPr lang="en-US" dirty="0"/>
-              <a:t>New users should get a confirmation email and be greeted</a:t>
+              <a:t>personally by the site once signed in.</a:t>
             </a:r>
             <a:br>
               <a:rPr lang="en-US" dirty="0"/>
             </a:br>
             <a:r>
+              <a:rPr lang="en-US" b="1" dirty="0"/>
+              <a:t>Given </a:t>
+            </a:r>
+            <a:r>
               <a:rPr lang="en-US" dirty="0"/>
-              <a:t>personally by the site once signed in.</a:t>
+              <a:t>I have chosen to sign up</a:t>
             </a:r>
             <a:br>
               <a:rPr lang="en-US" dirty="0"/>
             </a:br>
             <a:r>
               <a:rPr lang="en-US" b="1" dirty="0"/>
-              <a:t>Given </a:t>
+              <a:t>When </a:t>
             </a:r>
             <a:r>
               <a:rPr lang="en-US" dirty="0"/>
-              <a:t>I have chosen to sign up</a:t>
+              <a:t>I sign up with valid details</a:t>
             </a:r>
             <a:br>
               <a:rPr lang="en-US" dirty="0"/>
             </a:br>
             <a:r>
               <a:rPr lang="en-US" b="1" dirty="0"/>
-              <a:t>When </a:t>
+              <a:t>Then </a:t>
             </a:r>
             <a:r>
               <a:rPr lang="en-US" dirty="0"/>
-              <a:t>I sign up with valid details</a:t>
+              <a:t>I should receive a confirmation email</a:t>
             </a:r>
             <a:br>
               <a:rPr lang="en-US" dirty="0"/>
             </a:br>
             <a:r>
               <a:rPr lang="en-US" b="1" dirty="0"/>
-              <a:t>Then </a:t>
+              <a:t>And </a:t>
             </a:r>
             <a:r>
               <a:rPr lang="en-US" dirty="0"/>
-              <a:t>I should receive a confirmation email</a:t>
+              <a:t>I should see a personalized greeting message</a:t>
             </a:r>
             <a:br>
               <a:rPr lang="en-US" dirty="0"/>
             </a:br>
-            <a:r>
-              <a:rPr lang="en-US" b="1" dirty="0"/>
-              <a:t>And </a:t>
-            </a:r>
-            <a:r>
-              <a:rPr lang="en-US" dirty="0"/>
-              <a:t>I should see a personalized greeting message</a:t>
-            </a:r>
-            <a:br>
-              <a:rPr lang="en-US" dirty="0"/>
-            </a:br>
+            <a:endParaRPr lang="en-US" dirty="0"/>
+          </a:p>
+          <a:p>
             <a:r>
               <a:rPr lang="en-US" b="1" dirty="0"/>
               <a:t>Scenario: </a:t>
@@ -11142,6 +11295,104 @@
                                           <p:spTgt spid="3">
                                             <p:txEl>
                                               <p:pRg st="0" end="0"/>
+                                            </p:txEl>
+                                          </p:spTgt>
+                                        </p:tgtEl>
+                                        <p:attrNameLst>
+                                          <p:attrName>style.visibility</p:attrName>
+                                        </p:attrNameLst>
+                                      </p:cBhvr>
+                                      <p:to>
+                                        <p:strVal val="visible"/>
+                                      </p:to>
+                                    </p:set>
+                                  </p:childTnLst>
+                                </p:cTn>
+                              </p:par>
+                            </p:childTnLst>
+                          </p:cTn>
+                        </p:par>
+                      </p:childTnLst>
+                    </p:cTn>
+                  </p:par>
+                  <p:par>
+                    <p:cTn id="7" fill="hold">
+                      <p:stCondLst>
+                        <p:cond delay="indefinite"/>
+                      </p:stCondLst>
+                      <p:childTnLst>
+                        <p:par>
+                          <p:cTn id="8" fill="hold">
+                            <p:stCondLst>
+                              <p:cond delay="0"/>
+                            </p:stCondLst>
+                            <p:childTnLst>
+                              <p:par>
+                                <p:cTn id="9" presetID="1" presetClass="entr" presetSubtype="0" fill="hold" nodeType="clickEffect">
+                                  <p:stCondLst>
+                                    <p:cond delay="0"/>
+                                  </p:stCondLst>
+                                  <p:childTnLst>
+                                    <p:set>
+                                      <p:cBhvr>
+                                        <p:cTn id="10" dur="1" fill="hold">
+                                          <p:stCondLst>
+                                            <p:cond delay="0"/>
+                                          </p:stCondLst>
+                                        </p:cTn>
+                                        <p:tgtEl>
+                                          <p:spTgt spid="3">
+                                            <p:txEl>
+                                              <p:pRg st="1" end="1"/>
+                                            </p:txEl>
+                                          </p:spTgt>
+                                        </p:tgtEl>
+                                        <p:attrNameLst>
+                                          <p:attrName>style.visibility</p:attrName>
+                                        </p:attrNameLst>
+                                      </p:cBhvr>
+                                      <p:to>
+                                        <p:strVal val="visible"/>
+                                      </p:to>
+                                    </p:set>
+                                  </p:childTnLst>
+                                </p:cTn>
+                              </p:par>
+                            </p:childTnLst>
+                          </p:cTn>
+                        </p:par>
+                      </p:childTnLst>
+                    </p:cTn>
+                  </p:par>
+                  <p:par>
+                    <p:cTn id="11" fill="hold">
+                      <p:stCondLst>
+                        <p:cond delay="indefinite"/>
+                      </p:stCondLst>
+                      <p:childTnLst>
+                        <p:par>
+                          <p:cTn id="12" fill="hold">
+                            <p:stCondLst>
+                              <p:cond delay="0"/>
+                            </p:stCondLst>
+                            <p:childTnLst>
+                              <p:par>
+                                <p:cTn id="13" presetID="1" presetClass="entr" presetSubtype="0" fill="hold" nodeType="clickEffect">
+                                  <p:stCondLst>
+                                    <p:cond delay="0"/>
+                                  </p:stCondLst>
+                                  <p:childTnLst>
+                                    <p:set>
+                                      <p:cBhvr>
+                                        <p:cTn id="14" dur="1" fill="hold">
+                                          <p:stCondLst>
+                                            <p:cond delay="0"/>
+                                          </p:stCondLst>
+                                        </p:cTn>
+                                        <p:tgtEl>
+                                          <p:spTgt spid="3">
+                                            <p:txEl>
+                                              <p:pRg st="2" end="2"/>
                                             </p:txEl>
                                           </p:spTgt>
                                         </p:tgtEl>
